--- a/docs/최종발표.pptx
+++ b/docs/최종발표.pptx
@@ -4174,6 +4174,762 @@
           </a:prstGeom>
         </p:spPr>
       </p:pic>
+      <p:sp>
+        <p:nvSpPr>
+          <p:cNvPr id="30" name="자유형 29"/>
+          <p:cNvSpPr/>
+          <p:nvPr/>
+        </p:nvSpPr>
+        <p:spPr>
+          <a:xfrm>
+            <a:off x="6772275" y="4867275"/>
+            <a:ext cx="117475" cy="317500"/>
+          </a:xfrm>
+          <a:custGeom>
+            <a:avLst/>
+            <a:gdLst>
+              <a:gd name="connsiteX0" fmla="*/ 0 w 117475"/>
+              <a:gd name="connsiteY0" fmla="*/ 244475 h 317500"/>
+              <a:gd name="connsiteX1" fmla="*/ 6350 w 117475"/>
+              <a:gd name="connsiteY1" fmla="*/ 273050 h 317500"/>
+              <a:gd name="connsiteX2" fmla="*/ 9525 w 117475"/>
+              <a:gd name="connsiteY2" fmla="*/ 282575 h 317500"/>
+              <a:gd name="connsiteX3" fmla="*/ 15875 w 117475"/>
+              <a:gd name="connsiteY3" fmla="*/ 292100 h 317500"/>
+              <a:gd name="connsiteX4" fmla="*/ 19050 w 117475"/>
+              <a:gd name="connsiteY4" fmla="*/ 301625 h 317500"/>
+              <a:gd name="connsiteX5" fmla="*/ 28575 w 117475"/>
+              <a:gd name="connsiteY5" fmla="*/ 307975 h 317500"/>
+              <a:gd name="connsiteX6" fmla="*/ 34925 w 117475"/>
+              <a:gd name="connsiteY6" fmla="*/ 317500 h 317500"/>
+              <a:gd name="connsiteX7" fmla="*/ 38100 w 117475"/>
+              <a:gd name="connsiteY7" fmla="*/ 307975 h 317500"/>
+              <a:gd name="connsiteX8" fmla="*/ 31750 w 117475"/>
+              <a:gd name="connsiteY8" fmla="*/ 276225 h 317500"/>
+              <a:gd name="connsiteX9" fmla="*/ 28575 w 117475"/>
+              <a:gd name="connsiteY9" fmla="*/ 250825 h 317500"/>
+              <a:gd name="connsiteX10" fmla="*/ 19050 w 117475"/>
+              <a:gd name="connsiteY10" fmla="*/ 206375 h 317500"/>
+              <a:gd name="connsiteX11" fmla="*/ 15875 w 117475"/>
+              <a:gd name="connsiteY11" fmla="*/ 244475 h 317500"/>
+              <a:gd name="connsiteX12" fmla="*/ 19050 w 117475"/>
+              <a:gd name="connsiteY12" fmla="*/ 234950 h 317500"/>
+              <a:gd name="connsiteX13" fmla="*/ 22225 w 117475"/>
+              <a:gd name="connsiteY13" fmla="*/ 244475 h 317500"/>
+              <a:gd name="connsiteX14" fmla="*/ 25400 w 117475"/>
+              <a:gd name="connsiteY14" fmla="*/ 260350 h 317500"/>
+              <a:gd name="connsiteX15" fmla="*/ 38100 w 117475"/>
+              <a:gd name="connsiteY15" fmla="*/ 254000 h 317500"/>
+              <a:gd name="connsiteX16" fmla="*/ 53975 w 117475"/>
+              <a:gd name="connsiteY16" fmla="*/ 222250 h 317500"/>
+              <a:gd name="connsiteX17" fmla="*/ 60325 w 117475"/>
+              <a:gd name="connsiteY17" fmla="*/ 212725 h 317500"/>
+              <a:gd name="connsiteX18" fmla="*/ 69850 w 117475"/>
+              <a:gd name="connsiteY18" fmla="*/ 177800 h 317500"/>
+              <a:gd name="connsiteX19" fmla="*/ 76200 w 117475"/>
+              <a:gd name="connsiteY19" fmla="*/ 168275 h 317500"/>
+              <a:gd name="connsiteX20" fmla="*/ 79375 w 117475"/>
+              <a:gd name="connsiteY20" fmla="*/ 155575 h 317500"/>
+              <a:gd name="connsiteX21" fmla="*/ 82550 w 117475"/>
+              <a:gd name="connsiteY21" fmla="*/ 107950 h 317500"/>
+              <a:gd name="connsiteX22" fmla="*/ 69850 w 117475"/>
+              <a:gd name="connsiteY22" fmla="*/ 133350 h 317500"/>
+              <a:gd name="connsiteX23" fmla="*/ 53975 w 117475"/>
+              <a:gd name="connsiteY23" fmla="*/ 161925 h 317500"/>
+              <a:gd name="connsiteX24" fmla="*/ 50800 w 117475"/>
+              <a:gd name="connsiteY24" fmla="*/ 174625 h 317500"/>
+              <a:gd name="connsiteX25" fmla="*/ 44450 w 117475"/>
+              <a:gd name="connsiteY25" fmla="*/ 193675 h 317500"/>
+              <a:gd name="connsiteX26" fmla="*/ 47625 w 117475"/>
+              <a:gd name="connsiteY26" fmla="*/ 180975 h 317500"/>
+              <a:gd name="connsiteX27" fmla="*/ 50800 w 117475"/>
+              <a:gd name="connsiteY27" fmla="*/ 107950 h 317500"/>
+              <a:gd name="connsiteX28" fmla="*/ 44450 w 117475"/>
+              <a:gd name="connsiteY28" fmla="*/ 127000 h 317500"/>
+              <a:gd name="connsiteX29" fmla="*/ 41275 w 117475"/>
+              <a:gd name="connsiteY29" fmla="*/ 149225 h 317500"/>
+              <a:gd name="connsiteX30" fmla="*/ 38100 w 117475"/>
+              <a:gd name="connsiteY30" fmla="*/ 161925 h 317500"/>
+              <a:gd name="connsiteX31" fmla="*/ 34925 w 117475"/>
+              <a:gd name="connsiteY31" fmla="*/ 165100 h 317500"/>
+              <a:gd name="connsiteX32" fmla="*/ 44450 w 117475"/>
+              <a:gd name="connsiteY32" fmla="*/ 139700 h 317500"/>
+              <a:gd name="connsiteX33" fmla="*/ 53975 w 117475"/>
+              <a:gd name="connsiteY33" fmla="*/ 120650 h 317500"/>
+              <a:gd name="connsiteX34" fmla="*/ 57150 w 117475"/>
+              <a:gd name="connsiteY34" fmla="*/ 152400 h 317500"/>
+              <a:gd name="connsiteX35" fmla="*/ 63500 w 117475"/>
+              <a:gd name="connsiteY35" fmla="*/ 142875 h 317500"/>
+              <a:gd name="connsiteX36" fmla="*/ 73025 w 117475"/>
+              <a:gd name="connsiteY36" fmla="*/ 127000 h 317500"/>
+              <a:gd name="connsiteX37" fmla="*/ 88900 w 117475"/>
+              <a:gd name="connsiteY37" fmla="*/ 92075 h 317500"/>
+              <a:gd name="connsiteX38" fmla="*/ 101600 w 117475"/>
+              <a:gd name="connsiteY38" fmla="*/ 73025 h 317500"/>
+              <a:gd name="connsiteX39" fmla="*/ 95250 w 117475"/>
+              <a:gd name="connsiteY39" fmla="*/ 63500 h 317500"/>
+              <a:gd name="connsiteX40" fmla="*/ 79375 w 117475"/>
+              <a:gd name="connsiteY40" fmla="*/ 79375 h 317500"/>
+              <a:gd name="connsiteX41" fmla="*/ 76200 w 117475"/>
+              <a:gd name="connsiteY41" fmla="*/ 92075 h 317500"/>
+              <a:gd name="connsiteX42" fmla="*/ 73025 w 117475"/>
+              <a:gd name="connsiteY42" fmla="*/ 79375 h 317500"/>
+              <a:gd name="connsiteX43" fmla="*/ 82550 w 117475"/>
+              <a:gd name="connsiteY43" fmla="*/ 47625 h 317500"/>
+              <a:gd name="connsiteX44" fmla="*/ 79375 w 117475"/>
+              <a:gd name="connsiteY44" fmla="*/ 57150 h 317500"/>
+              <a:gd name="connsiteX45" fmla="*/ 88900 w 117475"/>
+              <a:gd name="connsiteY45" fmla="*/ 76200 h 317500"/>
+              <a:gd name="connsiteX46" fmla="*/ 98425 w 117475"/>
+              <a:gd name="connsiteY46" fmla="*/ 69850 h 317500"/>
+              <a:gd name="connsiteX47" fmla="*/ 104775 w 117475"/>
+              <a:gd name="connsiteY47" fmla="*/ 53975 h 317500"/>
+              <a:gd name="connsiteX48" fmla="*/ 117475 w 117475"/>
+              <a:gd name="connsiteY48" fmla="*/ 31750 h 317500"/>
+              <a:gd name="connsiteX49" fmla="*/ 114300 w 117475"/>
+              <a:gd name="connsiteY49" fmla="*/ 9525 h 317500"/>
+              <a:gd name="connsiteX50" fmla="*/ 111125 w 117475"/>
+              <a:gd name="connsiteY50" fmla="*/ 0 h 317500"/>
+              <a:gd name="connsiteX51" fmla="*/ 107950 w 117475"/>
+              <a:gd name="connsiteY51" fmla="*/ 9525 h 317500"/>
+              <a:gd name="connsiteX52" fmla="*/ 101600 w 117475"/>
+              <a:gd name="connsiteY52" fmla="*/ 19050 h 317500"/>
+              <a:gd name="connsiteX53" fmla="*/ 98425 w 117475"/>
+              <a:gd name="connsiteY53" fmla="*/ 28575 h 317500"/>
+              <a:gd name="connsiteX54" fmla="*/ 88900 w 117475"/>
+              <a:gd name="connsiteY54" fmla="*/ 53975 h 317500"/>
+              <a:gd name="connsiteX55" fmla="*/ 92075 w 117475"/>
+              <a:gd name="connsiteY55" fmla="*/ 79375 h 317500"/>
+              <a:gd name="connsiteX56" fmla="*/ 98425 w 117475"/>
+              <a:gd name="connsiteY56" fmla="*/ 101600 h 317500"/>
+              <a:gd name="connsiteX57" fmla="*/ 95250 w 117475"/>
+              <a:gd name="connsiteY57" fmla="*/ 127000 h 317500"/>
+              <a:gd name="connsiteX58" fmla="*/ 76200 w 117475"/>
+              <a:gd name="connsiteY58" fmla="*/ 142875 h 317500"/>
+              <a:gd name="connsiteX59" fmla="*/ 53975 w 117475"/>
+              <a:gd name="connsiteY59" fmla="*/ 171450 h 317500"/>
+              <a:gd name="connsiteX60" fmla="*/ 50800 w 117475"/>
+              <a:gd name="connsiteY60" fmla="*/ 180975 h 317500"/>
+              <a:gd name="connsiteX61" fmla="*/ 38100 w 117475"/>
+              <a:gd name="connsiteY61" fmla="*/ 200025 h 317500"/>
+              <a:gd name="connsiteX62" fmla="*/ 34925 w 117475"/>
+              <a:gd name="connsiteY62" fmla="*/ 219075 h 317500"/>
+              <a:gd name="connsiteX63" fmla="*/ 31750 w 117475"/>
+              <a:gd name="connsiteY63" fmla="*/ 228600 h 317500"/>
+              <a:gd name="connsiteX64" fmla="*/ 34925 w 117475"/>
+              <a:gd name="connsiteY64" fmla="*/ 292100 h 317500"/>
+              <a:gd name="connsiteX65" fmla="*/ 41275 w 117475"/>
+              <a:gd name="connsiteY65" fmla="*/ 269875 h 317500"/>
+              <a:gd name="connsiteX66" fmla="*/ 44450 w 117475"/>
+              <a:gd name="connsiteY66" fmla="*/ 231775 h 317500"/>
+              <a:gd name="connsiteX67" fmla="*/ 50800 w 117475"/>
+              <a:gd name="connsiteY67" fmla="*/ 212725 h 317500"/>
+              <a:gd name="connsiteX68" fmla="*/ 57150 w 117475"/>
+              <a:gd name="connsiteY68" fmla="*/ 187325 h 317500"/>
+              <a:gd name="connsiteX69" fmla="*/ 60325 w 117475"/>
+              <a:gd name="connsiteY69" fmla="*/ 174625 h 317500"/>
+              <a:gd name="connsiteX70" fmla="*/ 60325 w 117475"/>
+              <a:gd name="connsiteY70" fmla="*/ 161925 h 317500"/>
+            </a:gdLst>
+            <a:ahLst/>
+            <a:cxnLst>
+              <a:cxn ang="0">
+                <a:pos x="connsiteX0" y="connsiteY0"/>
+              </a:cxn>
+              <a:cxn ang="0">
+                <a:pos x="connsiteX1" y="connsiteY1"/>
+              </a:cxn>
+              <a:cxn ang="0">
+                <a:pos x="connsiteX2" y="connsiteY2"/>
+              </a:cxn>
+              <a:cxn ang="0">
+                <a:pos x="connsiteX3" y="connsiteY3"/>
+              </a:cxn>
+              <a:cxn ang="0">
+                <a:pos x="connsiteX4" y="connsiteY4"/>
+              </a:cxn>
+              <a:cxn ang="0">
+                <a:pos x="connsiteX5" y="connsiteY5"/>
+              </a:cxn>
+              <a:cxn ang="0">
+                <a:pos x="connsiteX6" y="connsiteY6"/>
+              </a:cxn>
+              <a:cxn ang="0">
+                <a:pos x="connsiteX7" y="connsiteY7"/>
+              </a:cxn>
+              <a:cxn ang="0">
+                <a:pos x="connsiteX8" y="connsiteY8"/>
+              </a:cxn>
+              <a:cxn ang="0">
+                <a:pos x="connsiteX9" y="connsiteY9"/>
+              </a:cxn>
+              <a:cxn ang="0">
+                <a:pos x="connsiteX10" y="connsiteY10"/>
+              </a:cxn>
+              <a:cxn ang="0">
+                <a:pos x="connsiteX11" y="connsiteY11"/>
+              </a:cxn>
+              <a:cxn ang="0">
+                <a:pos x="connsiteX12" y="connsiteY12"/>
+              </a:cxn>
+              <a:cxn ang="0">
+                <a:pos x="connsiteX13" y="connsiteY13"/>
+              </a:cxn>
+              <a:cxn ang="0">
+                <a:pos x="connsiteX14" y="connsiteY14"/>
+              </a:cxn>
+              <a:cxn ang="0">
+                <a:pos x="connsiteX15" y="connsiteY15"/>
+              </a:cxn>
+              <a:cxn ang="0">
+                <a:pos x="connsiteX16" y="connsiteY16"/>
+              </a:cxn>
+              <a:cxn ang="0">
+                <a:pos x="connsiteX17" y="connsiteY17"/>
+              </a:cxn>
+              <a:cxn ang="0">
+                <a:pos x="connsiteX18" y="connsiteY18"/>
+              </a:cxn>
+              <a:cxn ang="0">
+                <a:pos x="connsiteX19" y="connsiteY19"/>
+              </a:cxn>
+              <a:cxn ang="0">
+                <a:pos x="connsiteX20" y="connsiteY20"/>
+              </a:cxn>
+              <a:cxn ang="0">
+                <a:pos x="connsiteX21" y="connsiteY21"/>
+              </a:cxn>
+              <a:cxn ang="0">
+                <a:pos x="connsiteX22" y="connsiteY22"/>
+              </a:cxn>
+              <a:cxn ang="0">
+                <a:pos x="connsiteX23" y="connsiteY23"/>
+              </a:cxn>
+              <a:cxn ang="0">
+                <a:pos x="connsiteX24" y="connsiteY24"/>
+              </a:cxn>
+              <a:cxn ang="0">
+                <a:pos x="connsiteX25" y="connsiteY25"/>
+              </a:cxn>
+              <a:cxn ang="0">
+                <a:pos x="connsiteX26" y="connsiteY26"/>
+              </a:cxn>
+              <a:cxn ang="0">
+                <a:pos x="connsiteX27" y="connsiteY27"/>
+              </a:cxn>
+              <a:cxn ang="0">
+                <a:pos x="connsiteX28" y="connsiteY28"/>
+              </a:cxn>
+              <a:cxn ang="0">
+                <a:pos x="connsiteX29" y="connsiteY29"/>
+              </a:cxn>
+              <a:cxn ang="0">
+                <a:pos x="connsiteX30" y="connsiteY30"/>
+              </a:cxn>
+              <a:cxn ang="0">
+                <a:pos x="connsiteX31" y="connsiteY31"/>
+              </a:cxn>
+              <a:cxn ang="0">
+                <a:pos x="connsiteX32" y="connsiteY32"/>
+              </a:cxn>
+              <a:cxn ang="0">
+                <a:pos x="connsiteX33" y="connsiteY33"/>
+              </a:cxn>
+              <a:cxn ang="0">
+                <a:pos x="connsiteX34" y="connsiteY34"/>
+              </a:cxn>
+              <a:cxn ang="0">
+                <a:pos x="connsiteX35" y="connsiteY35"/>
+              </a:cxn>
+              <a:cxn ang="0">
+                <a:pos x="connsiteX36" y="connsiteY36"/>
+              </a:cxn>
+              <a:cxn ang="0">
+                <a:pos x="connsiteX37" y="connsiteY37"/>
+              </a:cxn>
+              <a:cxn ang="0">
+                <a:pos x="connsiteX38" y="connsiteY38"/>
+              </a:cxn>
+              <a:cxn ang="0">
+                <a:pos x="connsiteX39" y="connsiteY39"/>
+              </a:cxn>
+              <a:cxn ang="0">
+                <a:pos x="connsiteX40" y="connsiteY40"/>
+              </a:cxn>
+              <a:cxn ang="0">
+                <a:pos x="connsiteX41" y="connsiteY41"/>
+              </a:cxn>
+              <a:cxn ang="0">
+                <a:pos x="connsiteX42" y="connsiteY42"/>
+              </a:cxn>
+              <a:cxn ang="0">
+                <a:pos x="connsiteX43" y="connsiteY43"/>
+              </a:cxn>
+              <a:cxn ang="0">
+                <a:pos x="connsiteX44" y="connsiteY44"/>
+              </a:cxn>
+              <a:cxn ang="0">
+                <a:pos x="connsiteX45" y="connsiteY45"/>
+              </a:cxn>
+              <a:cxn ang="0">
+                <a:pos x="connsiteX46" y="connsiteY46"/>
+              </a:cxn>
+              <a:cxn ang="0">
+                <a:pos x="connsiteX47" y="connsiteY47"/>
+              </a:cxn>
+              <a:cxn ang="0">
+                <a:pos x="connsiteX48" y="connsiteY48"/>
+              </a:cxn>
+              <a:cxn ang="0">
+                <a:pos x="connsiteX49" y="connsiteY49"/>
+              </a:cxn>
+              <a:cxn ang="0">
+                <a:pos x="connsiteX50" y="connsiteY50"/>
+              </a:cxn>
+              <a:cxn ang="0">
+                <a:pos x="connsiteX51" y="connsiteY51"/>
+              </a:cxn>
+              <a:cxn ang="0">
+                <a:pos x="connsiteX52" y="connsiteY52"/>
+              </a:cxn>
+              <a:cxn ang="0">
+                <a:pos x="connsiteX53" y="connsiteY53"/>
+              </a:cxn>
+              <a:cxn ang="0">
+                <a:pos x="connsiteX54" y="connsiteY54"/>
+              </a:cxn>
+              <a:cxn ang="0">
+                <a:pos x="connsiteX55" y="connsiteY55"/>
+              </a:cxn>
+              <a:cxn ang="0">
+                <a:pos x="connsiteX56" y="connsiteY56"/>
+              </a:cxn>
+              <a:cxn ang="0">
+                <a:pos x="connsiteX57" y="connsiteY57"/>
+              </a:cxn>
+              <a:cxn ang="0">
+                <a:pos x="connsiteX58" y="connsiteY58"/>
+              </a:cxn>
+              <a:cxn ang="0">
+                <a:pos x="connsiteX59" y="connsiteY59"/>
+              </a:cxn>
+              <a:cxn ang="0">
+                <a:pos x="connsiteX60" y="connsiteY60"/>
+              </a:cxn>
+              <a:cxn ang="0">
+                <a:pos x="connsiteX61" y="connsiteY61"/>
+              </a:cxn>
+              <a:cxn ang="0">
+                <a:pos x="connsiteX62" y="connsiteY62"/>
+              </a:cxn>
+              <a:cxn ang="0">
+                <a:pos x="connsiteX63" y="connsiteY63"/>
+              </a:cxn>
+              <a:cxn ang="0">
+                <a:pos x="connsiteX64" y="connsiteY64"/>
+              </a:cxn>
+              <a:cxn ang="0">
+                <a:pos x="connsiteX65" y="connsiteY65"/>
+              </a:cxn>
+              <a:cxn ang="0">
+                <a:pos x="connsiteX66" y="connsiteY66"/>
+              </a:cxn>
+              <a:cxn ang="0">
+                <a:pos x="connsiteX67" y="connsiteY67"/>
+              </a:cxn>
+              <a:cxn ang="0">
+                <a:pos x="connsiteX68" y="connsiteY68"/>
+              </a:cxn>
+              <a:cxn ang="0">
+                <a:pos x="connsiteX69" y="connsiteY69"/>
+              </a:cxn>
+              <a:cxn ang="0">
+                <a:pos x="connsiteX70" y="connsiteY70"/>
+              </a:cxn>
+            </a:cxnLst>
+            <a:rect l="l" t="t" r="r" b="b"/>
+            <a:pathLst>
+              <a:path w="117475" h="317500">
+                <a:moveTo>
+                  <a:pt x="0" y="244475"/>
+                </a:moveTo>
+                <a:cubicBezTo>
+                  <a:pt x="2182" y="255387"/>
+                  <a:pt x="3361" y="262588"/>
+                  <a:pt x="6350" y="273050"/>
+                </a:cubicBezTo>
+                <a:cubicBezTo>
+                  <a:pt x="7269" y="276268"/>
+                  <a:pt x="8028" y="279582"/>
+                  <a:pt x="9525" y="282575"/>
+                </a:cubicBezTo>
+                <a:cubicBezTo>
+                  <a:pt x="11232" y="285988"/>
+                  <a:pt x="14168" y="288687"/>
+                  <a:pt x="15875" y="292100"/>
+                </a:cubicBezTo>
+                <a:cubicBezTo>
+                  <a:pt x="17372" y="295093"/>
+                  <a:pt x="16959" y="299012"/>
+                  <a:pt x="19050" y="301625"/>
+                </a:cubicBezTo>
+                <a:cubicBezTo>
+                  <a:pt x="21434" y="304605"/>
+                  <a:pt x="25400" y="305858"/>
+                  <a:pt x="28575" y="307975"/>
+                </a:cubicBezTo>
+                <a:cubicBezTo>
+                  <a:pt x="30692" y="311150"/>
+                  <a:pt x="31109" y="317500"/>
+                  <a:pt x="34925" y="317500"/>
+                </a:cubicBezTo>
+                <a:cubicBezTo>
+                  <a:pt x="38272" y="317500"/>
+                  <a:pt x="38100" y="311322"/>
+                  <a:pt x="38100" y="307975"/>
+                </a:cubicBezTo>
+                <a:cubicBezTo>
+                  <a:pt x="38100" y="293382"/>
+                  <a:pt x="35660" y="287955"/>
+                  <a:pt x="31750" y="276225"/>
+                </a:cubicBezTo>
+                <a:cubicBezTo>
+                  <a:pt x="30692" y="267758"/>
+                  <a:pt x="29255" y="259330"/>
+                  <a:pt x="28575" y="250825"/>
+                </a:cubicBezTo>
+                <a:cubicBezTo>
+                  <a:pt x="24083" y="194680"/>
+                  <a:pt x="35629" y="181507"/>
+                  <a:pt x="19050" y="206375"/>
+                </a:cubicBezTo>
+                <a:cubicBezTo>
+                  <a:pt x="17992" y="219075"/>
+                  <a:pt x="15875" y="231731"/>
+                  <a:pt x="15875" y="244475"/>
+                </a:cubicBezTo>
+                <a:cubicBezTo>
+                  <a:pt x="15875" y="247822"/>
+                  <a:pt x="15703" y="234950"/>
+                  <a:pt x="19050" y="234950"/>
+                </a:cubicBezTo>
+                <a:cubicBezTo>
+                  <a:pt x="22397" y="234950"/>
+                  <a:pt x="21413" y="241228"/>
+                  <a:pt x="22225" y="244475"/>
+                </a:cubicBezTo>
+                <a:cubicBezTo>
+                  <a:pt x="23534" y="249710"/>
+                  <a:pt x="24342" y="255058"/>
+                  <a:pt x="25400" y="260350"/>
+                </a:cubicBezTo>
+                <a:cubicBezTo>
+                  <a:pt x="29633" y="258233"/>
+                  <a:pt x="34753" y="257347"/>
+                  <a:pt x="38100" y="254000"/>
+                </a:cubicBezTo>
+                <a:cubicBezTo>
+                  <a:pt x="46931" y="245169"/>
+                  <a:pt x="48682" y="232836"/>
+                  <a:pt x="53975" y="222250"/>
+                </a:cubicBezTo>
+                <a:cubicBezTo>
+                  <a:pt x="55682" y="218837"/>
+                  <a:pt x="58775" y="216212"/>
+                  <a:pt x="60325" y="212725"/>
+                </a:cubicBezTo>
+                <a:cubicBezTo>
+                  <a:pt x="85051" y="157091"/>
+                  <a:pt x="51923" y="225606"/>
+                  <a:pt x="69850" y="177800"/>
+                </a:cubicBezTo>
+                <a:cubicBezTo>
+                  <a:pt x="71190" y="174227"/>
+                  <a:pt x="74083" y="171450"/>
+                  <a:pt x="76200" y="168275"/>
+                </a:cubicBezTo>
+                <a:cubicBezTo>
+                  <a:pt x="77258" y="164042"/>
+                  <a:pt x="78918" y="159915"/>
+                  <a:pt x="79375" y="155575"/>
+                </a:cubicBezTo>
+                <a:cubicBezTo>
+                  <a:pt x="81041" y="139752"/>
+                  <a:pt x="88817" y="122574"/>
+                  <a:pt x="82550" y="107950"/>
+                </a:cubicBezTo>
+                <a:cubicBezTo>
+                  <a:pt x="78821" y="99249"/>
+                  <a:pt x="75101" y="125474"/>
+                  <a:pt x="69850" y="133350"/>
+                </a:cubicBezTo>
+                <a:cubicBezTo>
+                  <a:pt x="58479" y="150406"/>
+                  <a:pt x="58166" y="147256"/>
+                  <a:pt x="53975" y="161925"/>
+                </a:cubicBezTo>
+                <a:cubicBezTo>
+                  <a:pt x="52776" y="166121"/>
+                  <a:pt x="52054" y="170445"/>
+                  <a:pt x="50800" y="174625"/>
+                </a:cubicBezTo>
+                <a:cubicBezTo>
+                  <a:pt x="48877" y="181036"/>
+                  <a:pt x="42827" y="200169"/>
+                  <a:pt x="44450" y="193675"/>
+                </a:cubicBezTo>
+                <a:lnTo>
+                  <a:pt x="47625" y="180975"/>
+                </a:lnTo>
+                <a:cubicBezTo>
+                  <a:pt x="48683" y="156633"/>
+                  <a:pt x="52231" y="132273"/>
+                  <a:pt x="50800" y="107950"/>
+                </a:cubicBezTo>
+                <a:cubicBezTo>
+                  <a:pt x="50407" y="101268"/>
+                  <a:pt x="44450" y="127000"/>
+                  <a:pt x="44450" y="127000"/>
+                </a:cubicBezTo>
+                <a:cubicBezTo>
+                  <a:pt x="43392" y="134408"/>
+                  <a:pt x="42614" y="141862"/>
+                  <a:pt x="41275" y="149225"/>
+                </a:cubicBezTo>
+                <a:cubicBezTo>
+                  <a:pt x="40494" y="153518"/>
+                  <a:pt x="39354" y="157745"/>
+                  <a:pt x="38100" y="161925"/>
+                </a:cubicBezTo>
+                <a:cubicBezTo>
+                  <a:pt x="30127" y="188501"/>
+                  <a:pt x="30370" y="185598"/>
+                  <a:pt x="34925" y="165100"/>
+                </a:cubicBezTo>
+                <a:cubicBezTo>
+                  <a:pt x="39428" y="144837"/>
+                  <a:pt x="35953" y="159525"/>
+                  <a:pt x="44450" y="139700"/>
+                </a:cubicBezTo>
+                <a:cubicBezTo>
+                  <a:pt x="52337" y="121297"/>
+                  <a:pt x="41772" y="138955"/>
+                  <a:pt x="53975" y="120650"/>
+                </a:cubicBezTo>
+                <a:cubicBezTo>
+                  <a:pt x="55033" y="131233"/>
+                  <a:pt x="52960" y="142624"/>
+                  <a:pt x="57150" y="152400"/>
+                </a:cubicBezTo>
+                <a:cubicBezTo>
+                  <a:pt x="58653" y="155907"/>
+                  <a:pt x="61478" y="146111"/>
+                  <a:pt x="63500" y="142875"/>
+                </a:cubicBezTo>
+                <a:cubicBezTo>
+                  <a:pt x="66771" y="137642"/>
+                  <a:pt x="70471" y="132618"/>
+                  <a:pt x="73025" y="127000"/>
+                </a:cubicBezTo>
+                <a:cubicBezTo>
+                  <a:pt x="89761" y="90182"/>
+                  <a:pt x="68155" y="124674"/>
+                  <a:pt x="88900" y="92075"/>
+                </a:cubicBezTo>
+                <a:cubicBezTo>
+                  <a:pt x="92997" y="85636"/>
+                  <a:pt x="101600" y="73025"/>
+                  <a:pt x="101600" y="73025"/>
+                </a:cubicBezTo>
+                <a:cubicBezTo>
+                  <a:pt x="99483" y="69850"/>
+                  <a:pt x="98992" y="64248"/>
+                  <a:pt x="95250" y="63500"/>
+                </a:cubicBezTo>
+                <a:cubicBezTo>
+                  <a:pt x="89025" y="62255"/>
+                  <a:pt x="81367" y="76387"/>
+                  <a:pt x="79375" y="79375"/>
+                </a:cubicBezTo>
+                <a:cubicBezTo>
+                  <a:pt x="78317" y="83608"/>
+                  <a:pt x="80564" y="92075"/>
+                  <a:pt x="76200" y="92075"/>
+                </a:cubicBezTo>
+                <a:cubicBezTo>
+                  <a:pt x="71836" y="92075"/>
+                  <a:pt x="73025" y="83739"/>
+                  <a:pt x="73025" y="79375"/>
+                </a:cubicBezTo>
+                <a:cubicBezTo>
+                  <a:pt x="73025" y="74577"/>
+                  <a:pt x="82181" y="48733"/>
+                  <a:pt x="82550" y="47625"/>
+                </a:cubicBezTo>
+                <a:lnTo>
+                  <a:pt x="79375" y="57150"/>
+                </a:lnTo>
+                <a:cubicBezTo>
+                  <a:pt x="80415" y="60270"/>
+                  <a:pt x="84504" y="75321"/>
+                  <a:pt x="88900" y="76200"/>
+                </a:cubicBezTo>
+                <a:cubicBezTo>
+                  <a:pt x="92642" y="76948"/>
+                  <a:pt x="95250" y="71967"/>
+                  <a:pt x="98425" y="69850"/>
+                </a:cubicBezTo>
+                <a:cubicBezTo>
+                  <a:pt x="100542" y="64558"/>
+                  <a:pt x="102007" y="58957"/>
+                  <a:pt x="104775" y="53975"/>
+                </a:cubicBezTo>
+                <a:cubicBezTo>
+                  <a:pt x="120793" y="25142"/>
+                  <a:pt x="109790" y="54805"/>
+                  <a:pt x="117475" y="31750"/>
+                </a:cubicBezTo>
+                <a:cubicBezTo>
+                  <a:pt x="116417" y="24342"/>
+                  <a:pt x="115768" y="16863"/>
+                  <a:pt x="114300" y="9525"/>
+                </a:cubicBezTo>
+                <a:cubicBezTo>
+                  <a:pt x="113644" y="6243"/>
+                  <a:pt x="114472" y="0"/>
+                  <a:pt x="111125" y="0"/>
+                </a:cubicBezTo>
+                <a:cubicBezTo>
+                  <a:pt x="107778" y="0"/>
+                  <a:pt x="109447" y="6532"/>
+                  <a:pt x="107950" y="9525"/>
+                </a:cubicBezTo>
+                <a:cubicBezTo>
+                  <a:pt x="106243" y="12938"/>
+                  <a:pt x="103307" y="15637"/>
+                  <a:pt x="101600" y="19050"/>
+                </a:cubicBezTo>
+                <a:cubicBezTo>
+                  <a:pt x="100103" y="22043"/>
+                  <a:pt x="99743" y="25499"/>
+                  <a:pt x="98425" y="28575"/>
+                </a:cubicBezTo>
+                <a:cubicBezTo>
+                  <a:pt x="88463" y="51819"/>
+                  <a:pt x="94754" y="30560"/>
+                  <a:pt x="88900" y="53975"/>
+                </a:cubicBezTo>
+                <a:cubicBezTo>
+                  <a:pt x="89958" y="62442"/>
+                  <a:pt x="90672" y="70959"/>
+                  <a:pt x="92075" y="79375"/>
+                </a:cubicBezTo>
+                <a:cubicBezTo>
+                  <a:pt x="93404" y="87348"/>
+                  <a:pt x="95909" y="94051"/>
+                  <a:pt x="98425" y="101600"/>
+                </a:cubicBezTo>
+                <a:cubicBezTo>
+                  <a:pt x="97367" y="110067"/>
+                  <a:pt x="98166" y="118981"/>
+                  <a:pt x="95250" y="127000"/>
+                </a:cubicBezTo>
+                <a:cubicBezTo>
+                  <a:pt x="93294" y="132378"/>
+                  <a:pt x="80735" y="139851"/>
+                  <a:pt x="76200" y="142875"/>
+                </a:cubicBezTo>
+                <a:cubicBezTo>
+                  <a:pt x="61009" y="165661"/>
+                  <a:pt x="68896" y="156529"/>
+                  <a:pt x="53975" y="171450"/>
+                </a:cubicBezTo>
+                <a:cubicBezTo>
+                  <a:pt x="52917" y="174625"/>
+                  <a:pt x="52425" y="178049"/>
+                  <a:pt x="50800" y="180975"/>
+                </a:cubicBezTo>
+                <a:cubicBezTo>
+                  <a:pt x="47094" y="187646"/>
+                  <a:pt x="38100" y="200025"/>
+                  <a:pt x="38100" y="200025"/>
+                </a:cubicBezTo>
+                <a:cubicBezTo>
+                  <a:pt x="37042" y="206375"/>
+                  <a:pt x="36322" y="212791"/>
+                  <a:pt x="34925" y="219075"/>
+                </a:cubicBezTo>
+                <a:cubicBezTo>
+                  <a:pt x="34199" y="222342"/>
+                  <a:pt x="31750" y="225253"/>
+                  <a:pt x="31750" y="228600"/>
+                </a:cubicBezTo>
+                <a:cubicBezTo>
+                  <a:pt x="31750" y="249793"/>
+                  <a:pt x="33867" y="270933"/>
+                  <a:pt x="34925" y="292100"/>
+                </a:cubicBezTo>
+                <a:cubicBezTo>
+                  <a:pt x="37034" y="285774"/>
+                  <a:pt x="40478" y="276254"/>
+                  <a:pt x="41275" y="269875"/>
+                </a:cubicBezTo>
+                <a:cubicBezTo>
+                  <a:pt x="42856" y="257229"/>
+                  <a:pt x="42355" y="244346"/>
+                  <a:pt x="44450" y="231775"/>
+                </a:cubicBezTo>
+                <a:cubicBezTo>
+                  <a:pt x="45550" y="225173"/>
+                  <a:pt x="49177" y="219219"/>
+                  <a:pt x="50800" y="212725"/>
+                </a:cubicBezTo>
+                <a:lnTo>
+                  <a:pt x="57150" y="187325"/>
+                </a:lnTo>
+                <a:cubicBezTo>
+                  <a:pt x="58208" y="183092"/>
+                  <a:pt x="60325" y="178989"/>
+                  <a:pt x="60325" y="174625"/>
+                </a:cubicBezTo>
+                <a:lnTo>
+                  <a:pt x="60325" y="161925"/>
+                </a:lnTo>
+              </a:path>
+            </a:pathLst>
+          </a:custGeom>
+          <a:noFill/>
+          <a:ln>
+            <a:solidFill>
+              <a:srgbClr val="CCD2F0"/>
+            </a:solidFill>
+          </a:ln>
+        </p:spPr>
+        <p:style>
+          <a:lnRef idx="2">
+            <a:schemeClr val="accent1">
+              <a:shade val="50000"/>
+            </a:schemeClr>
+          </a:lnRef>
+          <a:fillRef idx="1">
+            <a:schemeClr val="accent1"/>
+          </a:fillRef>
+          <a:effectRef idx="0">
+            <a:schemeClr val="accent1"/>
+          </a:effectRef>
+          <a:fontRef idx="minor">
+            <a:schemeClr val="lt1"/>
+          </a:fontRef>
+        </p:style>
+        <p:txBody>
+          <a:bodyPr rtlCol="0" anchor="ctr"/>
+          <a:lstStyle/>
+          <a:p>
+            <a:pPr algn="ctr"/>
+            <a:endParaRPr lang="ko-KR" altLang="en-US"/>
+          </a:p>
+        </p:txBody>
+      </p:sp>
     </p:spTree>
   </p:cSld>
   <p:clrMapOvr>
@@ -14718,6 +15474,762 @@
           </a:prstGeom>
         </p:spPr>
       </p:pic>
+      <p:sp>
+        <p:nvSpPr>
+          <p:cNvPr id="3" name="자유형 2"/>
+          <p:cNvSpPr/>
+          <p:nvPr/>
+        </p:nvSpPr>
+        <p:spPr>
+          <a:xfrm>
+            <a:off x="6772275" y="4867275"/>
+            <a:ext cx="117475" cy="317500"/>
+          </a:xfrm>
+          <a:custGeom>
+            <a:avLst/>
+            <a:gdLst>
+              <a:gd name="connsiteX0" fmla="*/ 0 w 117475"/>
+              <a:gd name="connsiteY0" fmla="*/ 244475 h 317500"/>
+              <a:gd name="connsiteX1" fmla="*/ 6350 w 117475"/>
+              <a:gd name="connsiteY1" fmla="*/ 273050 h 317500"/>
+              <a:gd name="connsiteX2" fmla="*/ 9525 w 117475"/>
+              <a:gd name="connsiteY2" fmla="*/ 282575 h 317500"/>
+              <a:gd name="connsiteX3" fmla="*/ 15875 w 117475"/>
+              <a:gd name="connsiteY3" fmla="*/ 292100 h 317500"/>
+              <a:gd name="connsiteX4" fmla="*/ 19050 w 117475"/>
+              <a:gd name="connsiteY4" fmla="*/ 301625 h 317500"/>
+              <a:gd name="connsiteX5" fmla="*/ 28575 w 117475"/>
+              <a:gd name="connsiteY5" fmla="*/ 307975 h 317500"/>
+              <a:gd name="connsiteX6" fmla="*/ 34925 w 117475"/>
+              <a:gd name="connsiteY6" fmla="*/ 317500 h 317500"/>
+              <a:gd name="connsiteX7" fmla="*/ 38100 w 117475"/>
+              <a:gd name="connsiteY7" fmla="*/ 307975 h 317500"/>
+              <a:gd name="connsiteX8" fmla="*/ 31750 w 117475"/>
+              <a:gd name="connsiteY8" fmla="*/ 276225 h 317500"/>
+              <a:gd name="connsiteX9" fmla="*/ 28575 w 117475"/>
+              <a:gd name="connsiteY9" fmla="*/ 250825 h 317500"/>
+              <a:gd name="connsiteX10" fmla="*/ 19050 w 117475"/>
+              <a:gd name="connsiteY10" fmla="*/ 206375 h 317500"/>
+              <a:gd name="connsiteX11" fmla="*/ 15875 w 117475"/>
+              <a:gd name="connsiteY11" fmla="*/ 244475 h 317500"/>
+              <a:gd name="connsiteX12" fmla="*/ 19050 w 117475"/>
+              <a:gd name="connsiteY12" fmla="*/ 234950 h 317500"/>
+              <a:gd name="connsiteX13" fmla="*/ 22225 w 117475"/>
+              <a:gd name="connsiteY13" fmla="*/ 244475 h 317500"/>
+              <a:gd name="connsiteX14" fmla="*/ 25400 w 117475"/>
+              <a:gd name="connsiteY14" fmla="*/ 260350 h 317500"/>
+              <a:gd name="connsiteX15" fmla="*/ 38100 w 117475"/>
+              <a:gd name="connsiteY15" fmla="*/ 254000 h 317500"/>
+              <a:gd name="connsiteX16" fmla="*/ 53975 w 117475"/>
+              <a:gd name="connsiteY16" fmla="*/ 222250 h 317500"/>
+              <a:gd name="connsiteX17" fmla="*/ 60325 w 117475"/>
+              <a:gd name="connsiteY17" fmla="*/ 212725 h 317500"/>
+              <a:gd name="connsiteX18" fmla="*/ 69850 w 117475"/>
+              <a:gd name="connsiteY18" fmla="*/ 177800 h 317500"/>
+              <a:gd name="connsiteX19" fmla="*/ 76200 w 117475"/>
+              <a:gd name="connsiteY19" fmla="*/ 168275 h 317500"/>
+              <a:gd name="connsiteX20" fmla="*/ 79375 w 117475"/>
+              <a:gd name="connsiteY20" fmla="*/ 155575 h 317500"/>
+              <a:gd name="connsiteX21" fmla="*/ 82550 w 117475"/>
+              <a:gd name="connsiteY21" fmla="*/ 107950 h 317500"/>
+              <a:gd name="connsiteX22" fmla="*/ 69850 w 117475"/>
+              <a:gd name="connsiteY22" fmla="*/ 133350 h 317500"/>
+              <a:gd name="connsiteX23" fmla="*/ 53975 w 117475"/>
+              <a:gd name="connsiteY23" fmla="*/ 161925 h 317500"/>
+              <a:gd name="connsiteX24" fmla="*/ 50800 w 117475"/>
+              <a:gd name="connsiteY24" fmla="*/ 174625 h 317500"/>
+              <a:gd name="connsiteX25" fmla="*/ 44450 w 117475"/>
+              <a:gd name="connsiteY25" fmla="*/ 193675 h 317500"/>
+              <a:gd name="connsiteX26" fmla="*/ 47625 w 117475"/>
+              <a:gd name="connsiteY26" fmla="*/ 180975 h 317500"/>
+              <a:gd name="connsiteX27" fmla="*/ 50800 w 117475"/>
+              <a:gd name="connsiteY27" fmla="*/ 107950 h 317500"/>
+              <a:gd name="connsiteX28" fmla="*/ 44450 w 117475"/>
+              <a:gd name="connsiteY28" fmla="*/ 127000 h 317500"/>
+              <a:gd name="connsiteX29" fmla="*/ 41275 w 117475"/>
+              <a:gd name="connsiteY29" fmla="*/ 149225 h 317500"/>
+              <a:gd name="connsiteX30" fmla="*/ 38100 w 117475"/>
+              <a:gd name="connsiteY30" fmla="*/ 161925 h 317500"/>
+              <a:gd name="connsiteX31" fmla="*/ 34925 w 117475"/>
+              <a:gd name="connsiteY31" fmla="*/ 165100 h 317500"/>
+              <a:gd name="connsiteX32" fmla="*/ 44450 w 117475"/>
+              <a:gd name="connsiteY32" fmla="*/ 139700 h 317500"/>
+              <a:gd name="connsiteX33" fmla="*/ 53975 w 117475"/>
+              <a:gd name="connsiteY33" fmla="*/ 120650 h 317500"/>
+              <a:gd name="connsiteX34" fmla="*/ 57150 w 117475"/>
+              <a:gd name="connsiteY34" fmla="*/ 152400 h 317500"/>
+              <a:gd name="connsiteX35" fmla="*/ 63500 w 117475"/>
+              <a:gd name="connsiteY35" fmla="*/ 142875 h 317500"/>
+              <a:gd name="connsiteX36" fmla="*/ 73025 w 117475"/>
+              <a:gd name="connsiteY36" fmla="*/ 127000 h 317500"/>
+              <a:gd name="connsiteX37" fmla="*/ 88900 w 117475"/>
+              <a:gd name="connsiteY37" fmla="*/ 92075 h 317500"/>
+              <a:gd name="connsiteX38" fmla="*/ 101600 w 117475"/>
+              <a:gd name="connsiteY38" fmla="*/ 73025 h 317500"/>
+              <a:gd name="connsiteX39" fmla="*/ 95250 w 117475"/>
+              <a:gd name="connsiteY39" fmla="*/ 63500 h 317500"/>
+              <a:gd name="connsiteX40" fmla="*/ 79375 w 117475"/>
+              <a:gd name="connsiteY40" fmla="*/ 79375 h 317500"/>
+              <a:gd name="connsiteX41" fmla="*/ 76200 w 117475"/>
+              <a:gd name="connsiteY41" fmla="*/ 92075 h 317500"/>
+              <a:gd name="connsiteX42" fmla="*/ 73025 w 117475"/>
+              <a:gd name="connsiteY42" fmla="*/ 79375 h 317500"/>
+              <a:gd name="connsiteX43" fmla="*/ 82550 w 117475"/>
+              <a:gd name="connsiteY43" fmla="*/ 47625 h 317500"/>
+              <a:gd name="connsiteX44" fmla="*/ 79375 w 117475"/>
+              <a:gd name="connsiteY44" fmla="*/ 57150 h 317500"/>
+              <a:gd name="connsiteX45" fmla="*/ 88900 w 117475"/>
+              <a:gd name="connsiteY45" fmla="*/ 76200 h 317500"/>
+              <a:gd name="connsiteX46" fmla="*/ 98425 w 117475"/>
+              <a:gd name="connsiteY46" fmla="*/ 69850 h 317500"/>
+              <a:gd name="connsiteX47" fmla="*/ 104775 w 117475"/>
+              <a:gd name="connsiteY47" fmla="*/ 53975 h 317500"/>
+              <a:gd name="connsiteX48" fmla="*/ 117475 w 117475"/>
+              <a:gd name="connsiteY48" fmla="*/ 31750 h 317500"/>
+              <a:gd name="connsiteX49" fmla="*/ 114300 w 117475"/>
+              <a:gd name="connsiteY49" fmla="*/ 9525 h 317500"/>
+              <a:gd name="connsiteX50" fmla="*/ 111125 w 117475"/>
+              <a:gd name="connsiteY50" fmla="*/ 0 h 317500"/>
+              <a:gd name="connsiteX51" fmla="*/ 107950 w 117475"/>
+              <a:gd name="connsiteY51" fmla="*/ 9525 h 317500"/>
+              <a:gd name="connsiteX52" fmla="*/ 101600 w 117475"/>
+              <a:gd name="connsiteY52" fmla="*/ 19050 h 317500"/>
+              <a:gd name="connsiteX53" fmla="*/ 98425 w 117475"/>
+              <a:gd name="connsiteY53" fmla="*/ 28575 h 317500"/>
+              <a:gd name="connsiteX54" fmla="*/ 88900 w 117475"/>
+              <a:gd name="connsiteY54" fmla="*/ 53975 h 317500"/>
+              <a:gd name="connsiteX55" fmla="*/ 92075 w 117475"/>
+              <a:gd name="connsiteY55" fmla="*/ 79375 h 317500"/>
+              <a:gd name="connsiteX56" fmla="*/ 98425 w 117475"/>
+              <a:gd name="connsiteY56" fmla="*/ 101600 h 317500"/>
+              <a:gd name="connsiteX57" fmla="*/ 95250 w 117475"/>
+              <a:gd name="connsiteY57" fmla="*/ 127000 h 317500"/>
+              <a:gd name="connsiteX58" fmla="*/ 76200 w 117475"/>
+              <a:gd name="connsiteY58" fmla="*/ 142875 h 317500"/>
+              <a:gd name="connsiteX59" fmla="*/ 53975 w 117475"/>
+              <a:gd name="connsiteY59" fmla="*/ 171450 h 317500"/>
+              <a:gd name="connsiteX60" fmla="*/ 50800 w 117475"/>
+              <a:gd name="connsiteY60" fmla="*/ 180975 h 317500"/>
+              <a:gd name="connsiteX61" fmla="*/ 38100 w 117475"/>
+              <a:gd name="connsiteY61" fmla="*/ 200025 h 317500"/>
+              <a:gd name="connsiteX62" fmla="*/ 34925 w 117475"/>
+              <a:gd name="connsiteY62" fmla="*/ 219075 h 317500"/>
+              <a:gd name="connsiteX63" fmla="*/ 31750 w 117475"/>
+              <a:gd name="connsiteY63" fmla="*/ 228600 h 317500"/>
+              <a:gd name="connsiteX64" fmla="*/ 34925 w 117475"/>
+              <a:gd name="connsiteY64" fmla="*/ 292100 h 317500"/>
+              <a:gd name="connsiteX65" fmla="*/ 41275 w 117475"/>
+              <a:gd name="connsiteY65" fmla="*/ 269875 h 317500"/>
+              <a:gd name="connsiteX66" fmla="*/ 44450 w 117475"/>
+              <a:gd name="connsiteY66" fmla="*/ 231775 h 317500"/>
+              <a:gd name="connsiteX67" fmla="*/ 50800 w 117475"/>
+              <a:gd name="connsiteY67" fmla="*/ 212725 h 317500"/>
+              <a:gd name="connsiteX68" fmla="*/ 57150 w 117475"/>
+              <a:gd name="connsiteY68" fmla="*/ 187325 h 317500"/>
+              <a:gd name="connsiteX69" fmla="*/ 60325 w 117475"/>
+              <a:gd name="connsiteY69" fmla="*/ 174625 h 317500"/>
+              <a:gd name="connsiteX70" fmla="*/ 60325 w 117475"/>
+              <a:gd name="connsiteY70" fmla="*/ 161925 h 317500"/>
+            </a:gdLst>
+            <a:ahLst/>
+            <a:cxnLst>
+              <a:cxn ang="0">
+                <a:pos x="connsiteX0" y="connsiteY0"/>
+              </a:cxn>
+              <a:cxn ang="0">
+                <a:pos x="connsiteX1" y="connsiteY1"/>
+              </a:cxn>
+              <a:cxn ang="0">
+                <a:pos x="connsiteX2" y="connsiteY2"/>
+              </a:cxn>
+              <a:cxn ang="0">
+                <a:pos x="connsiteX3" y="connsiteY3"/>
+              </a:cxn>
+              <a:cxn ang="0">
+                <a:pos x="connsiteX4" y="connsiteY4"/>
+              </a:cxn>
+              <a:cxn ang="0">
+                <a:pos x="connsiteX5" y="connsiteY5"/>
+              </a:cxn>
+              <a:cxn ang="0">
+                <a:pos x="connsiteX6" y="connsiteY6"/>
+              </a:cxn>
+              <a:cxn ang="0">
+                <a:pos x="connsiteX7" y="connsiteY7"/>
+              </a:cxn>
+              <a:cxn ang="0">
+                <a:pos x="connsiteX8" y="connsiteY8"/>
+              </a:cxn>
+              <a:cxn ang="0">
+                <a:pos x="connsiteX9" y="connsiteY9"/>
+              </a:cxn>
+              <a:cxn ang="0">
+                <a:pos x="connsiteX10" y="connsiteY10"/>
+              </a:cxn>
+              <a:cxn ang="0">
+                <a:pos x="connsiteX11" y="connsiteY11"/>
+              </a:cxn>
+              <a:cxn ang="0">
+                <a:pos x="connsiteX12" y="connsiteY12"/>
+              </a:cxn>
+              <a:cxn ang="0">
+                <a:pos x="connsiteX13" y="connsiteY13"/>
+              </a:cxn>
+              <a:cxn ang="0">
+                <a:pos x="connsiteX14" y="connsiteY14"/>
+              </a:cxn>
+              <a:cxn ang="0">
+                <a:pos x="connsiteX15" y="connsiteY15"/>
+              </a:cxn>
+              <a:cxn ang="0">
+                <a:pos x="connsiteX16" y="connsiteY16"/>
+              </a:cxn>
+              <a:cxn ang="0">
+                <a:pos x="connsiteX17" y="connsiteY17"/>
+              </a:cxn>
+              <a:cxn ang="0">
+                <a:pos x="connsiteX18" y="connsiteY18"/>
+              </a:cxn>
+              <a:cxn ang="0">
+                <a:pos x="connsiteX19" y="connsiteY19"/>
+              </a:cxn>
+              <a:cxn ang="0">
+                <a:pos x="connsiteX20" y="connsiteY20"/>
+              </a:cxn>
+              <a:cxn ang="0">
+                <a:pos x="connsiteX21" y="connsiteY21"/>
+              </a:cxn>
+              <a:cxn ang="0">
+                <a:pos x="connsiteX22" y="connsiteY22"/>
+              </a:cxn>
+              <a:cxn ang="0">
+                <a:pos x="connsiteX23" y="connsiteY23"/>
+              </a:cxn>
+              <a:cxn ang="0">
+                <a:pos x="connsiteX24" y="connsiteY24"/>
+              </a:cxn>
+              <a:cxn ang="0">
+                <a:pos x="connsiteX25" y="connsiteY25"/>
+              </a:cxn>
+              <a:cxn ang="0">
+                <a:pos x="connsiteX26" y="connsiteY26"/>
+              </a:cxn>
+              <a:cxn ang="0">
+                <a:pos x="connsiteX27" y="connsiteY27"/>
+              </a:cxn>
+              <a:cxn ang="0">
+                <a:pos x="connsiteX28" y="connsiteY28"/>
+              </a:cxn>
+              <a:cxn ang="0">
+                <a:pos x="connsiteX29" y="connsiteY29"/>
+              </a:cxn>
+              <a:cxn ang="0">
+                <a:pos x="connsiteX30" y="connsiteY30"/>
+              </a:cxn>
+              <a:cxn ang="0">
+                <a:pos x="connsiteX31" y="connsiteY31"/>
+              </a:cxn>
+              <a:cxn ang="0">
+                <a:pos x="connsiteX32" y="connsiteY32"/>
+              </a:cxn>
+              <a:cxn ang="0">
+                <a:pos x="connsiteX33" y="connsiteY33"/>
+              </a:cxn>
+              <a:cxn ang="0">
+                <a:pos x="connsiteX34" y="connsiteY34"/>
+              </a:cxn>
+              <a:cxn ang="0">
+                <a:pos x="connsiteX35" y="connsiteY35"/>
+              </a:cxn>
+              <a:cxn ang="0">
+                <a:pos x="connsiteX36" y="connsiteY36"/>
+              </a:cxn>
+              <a:cxn ang="0">
+                <a:pos x="connsiteX37" y="connsiteY37"/>
+              </a:cxn>
+              <a:cxn ang="0">
+                <a:pos x="connsiteX38" y="connsiteY38"/>
+              </a:cxn>
+              <a:cxn ang="0">
+                <a:pos x="connsiteX39" y="connsiteY39"/>
+              </a:cxn>
+              <a:cxn ang="0">
+                <a:pos x="connsiteX40" y="connsiteY40"/>
+              </a:cxn>
+              <a:cxn ang="0">
+                <a:pos x="connsiteX41" y="connsiteY41"/>
+              </a:cxn>
+              <a:cxn ang="0">
+                <a:pos x="connsiteX42" y="connsiteY42"/>
+              </a:cxn>
+              <a:cxn ang="0">
+                <a:pos x="connsiteX43" y="connsiteY43"/>
+              </a:cxn>
+              <a:cxn ang="0">
+                <a:pos x="connsiteX44" y="connsiteY44"/>
+              </a:cxn>
+              <a:cxn ang="0">
+                <a:pos x="connsiteX45" y="connsiteY45"/>
+              </a:cxn>
+              <a:cxn ang="0">
+                <a:pos x="connsiteX46" y="connsiteY46"/>
+              </a:cxn>
+              <a:cxn ang="0">
+                <a:pos x="connsiteX47" y="connsiteY47"/>
+              </a:cxn>
+              <a:cxn ang="0">
+                <a:pos x="connsiteX48" y="connsiteY48"/>
+              </a:cxn>
+              <a:cxn ang="0">
+                <a:pos x="connsiteX49" y="connsiteY49"/>
+              </a:cxn>
+              <a:cxn ang="0">
+                <a:pos x="connsiteX50" y="connsiteY50"/>
+              </a:cxn>
+              <a:cxn ang="0">
+                <a:pos x="connsiteX51" y="connsiteY51"/>
+              </a:cxn>
+              <a:cxn ang="0">
+                <a:pos x="connsiteX52" y="connsiteY52"/>
+              </a:cxn>
+              <a:cxn ang="0">
+                <a:pos x="connsiteX53" y="connsiteY53"/>
+              </a:cxn>
+              <a:cxn ang="0">
+                <a:pos x="connsiteX54" y="connsiteY54"/>
+              </a:cxn>
+              <a:cxn ang="0">
+                <a:pos x="connsiteX55" y="connsiteY55"/>
+              </a:cxn>
+              <a:cxn ang="0">
+                <a:pos x="connsiteX56" y="connsiteY56"/>
+              </a:cxn>
+              <a:cxn ang="0">
+                <a:pos x="connsiteX57" y="connsiteY57"/>
+              </a:cxn>
+              <a:cxn ang="0">
+                <a:pos x="connsiteX58" y="connsiteY58"/>
+              </a:cxn>
+              <a:cxn ang="0">
+                <a:pos x="connsiteX59" y="connsiteY59"/>
+              </a:cxn>
+              <a:cxn ang="0">
+                <a:pos x="connsiteX60" y="connsiteY60"/>
+              </a:cxn>
+              <a:cxn ang="0">
+                <a:pos x="connsiteX61" y="connsiteY61"/>
+              </a:cxn>
+              <a:cxn ang="0">
+                <a:pos x="connsiteX62" y="connsiteY62"/>
+              </a:cxn>
+              <a:cxn ang="0">
+                <a:pos x="connsiteX63" y="connsiteY63"/>
+              </a:cxn>
+              <a:cxn ang="0">
+                <a:pos x="connsiteX64" y="connsiteY64"/>
+              </a:cxn>
+              <a:cxn ang="0">
+                <a:pos x="connsiteX65" y="connsiteY65"/>
+              </a:cxn>
+              <a:cxn ang="0">
+                <a:pos x="connsiteX66" y="connsiteY66"/>
+              </a:cxn>
+              <a:cxn ang="0">
+                <a:pos x="connsiteX67" y="connsiteY67"/>
+              </a:cxn>
+              <a:cxn ang="0">
+                <a:pos x="connsiteX68" y="connsiteY68"/>
+              </a:cxn>
+              <a:cxn ang="0">
+                <a:pos x="connsiteX69" y="connsiteY69"/>
+              </a:cxn>
+              <a:cxn ang="0">
+                <a:pos x="connsiteX70" y="connsiteY70"/>
+              </a:cxn>
+            </a:cxnLst>
+            <a:rect l="l" t="t" r="r" b="b"/>
+            <a:pathLst>
+              <a:path w="117475" h="317500">
+                <a:moveTo>
+                  <a:pt x="0" y="244475"/>
+                </a:moveTo>
+                <a:cubicBezTo>
+                  <a:pt x="2182" y="255387"/>
+                  <a:pt x="3361" y="262588"/>
+                  <a:pt x="6350" y="273050"/>
+                </a:cubicBezTo>
+                <a:cubicBezTo>
+                  <a:pt x="7269" y="276268"/>
+                  <a:pt x="8028" y="279582"/>
+                  <a:pt x="9525" y="282575"/>
+                </a:cubicBezTo>
+                <a:cubicBezTo>
+                  <a:pt x="11232" y="285988"/>
+                  <a:pt x="14168" y="288687"/>
+                  <a:pt x="15875" y="292100"/>
+                </a:cubicBezTo>
+                <a:cubicBezTo>
+                  <a:pt x="17372" y="295093"/>
+                  <a:pt x="16959" y="299012"/>
+                  <a:pt x="19050" y="301625"/>
+                </a:cubicBezTo>
+                <a:cubicBezTo>
+                  <a:pt x="21434" y="304605"/>
+                  <a:pt x="25400" y="305858"/>
+                  <a:pt x="28575" y="307975"/>
+                </a:cubicBezTo>
+                <a:cubicBezTo>
+                  <a:pt x="30692" y="311150"/>
+                  <a:pt x="31109" y="317500"/>
+                  <a:pt x="34925" y="317500"/>
+                </a:cubicBezTo>
+                <a:cubicBezTo>
+                  <a:pt x="38272" y="317500"/>
+                  <a:pt x="38100" y="311322"/>
+                  <a:pt x="38100" y="307975"/>
+                </a:cubicBezTo>
+                <a:cubicBezTo>
+                  <a:pt x="38100" y="293382"/>
+                  <a:pt x="35660" y="287955"/>
+                  <a:pt x="31750" y="276225"/>
+                </a:cubicBezTo>
+                <a:cubicBezTo>
+                  <a:pt x="30692" y="267758"/>
+                  <a:pt x="29255" y="259330"/>
+                  <a:pt x="28575" y="250825"/>
+                </a:cubicBezTo>
+                <a:cubicBezTo>
+                  <a:pt x="24083" y="194680"/>
+                  <a:pt x="35629" y="181507"/>
+                  <a:pt x="19050" y="206375"/>
+                </a:cubicBezTo>
+                <a:cubicBezTo>
+                  <a:pt x="17992" y="219075"/>
+                  <a:pt x="15875" y="231731"/>
+                  <a:pt x="15875" y="244475"/>
+                </a:cubicBezTo>
+                <a:cubicBezTo>
+                  <a:pt x="15875" y="247822"/>
+                  <a:pt x="15703" y="234950"/>
+                  <a:pt x="19050" y="234950"/>
+                </a:cubicBezTo>
+                <a:cubicBezTo>
+                  <a:pt x="22397" y="234950"/>
+                  <a:pt x="21413" y="241228"/>
+                  <a:pt x="22225" y="244475"/>
+                </a:cubicBezTo>
+                <a:cubicBezTo>
+                  <a:pt x="23534" y="249710"/>
+                  <a:pt x="24342" y="255058"/>
+                  <a:pt x="25400" y="260350"/>
+                </a:cubicBezTo>
+                <a:cubicBezTo>
+                  <a:pt x="29633" y="258233"/>
+                  <a:pt x="34753" y="257347"/>
+                  <a:pt x="38100" y="254000"/>
+                </a:cubicBezTo>
+                <a:cubicBezTo>
+                  <a:pt x="46931" y="245169"/>
+                  <a:pt x="48682" y="232836"/>
+                  <a:pt x="53975" y="222250"/>
+                </a:cubicBezTo>
+                <a:cubicBezTo>
+                  <a:pt x="55682" y="218837"/>
+                  <a:pt x="58775" y="216212"/>
+                  <a:pt x="60325" y="212725"/>
+                </a:cubicBezTo>
+                <a:cubicBezTo>
+                  <a:pt x="85051" y="157091"/>
+                  <a:pt x="51923" y="225606"/>
+                  <a:pt x="69850" y="177800"/>
+                </a:cubicBezTo>
+                <a:cubicBezTo>
+                  <a:pt x="71190" y="174227"/>
+                  <a:pt x="74083" y="171450"/>
+                  <a:pt x="76200" y="168275"/>
+                </a:cubicBezTo>
+                <a:cubicBezTo>
+                  <a:pt x="77258" y="164042"/>
+                  <a:pt x="78918" y="159915"/>
+                  <a:pt x="79375" y="155575"/>
+                </a:cubicBezTo>
+                <a:cubicBezTo>
+                  <a:pt x="81041" y="139752"/>
+                  <a:pt x="88817" y="122574"/>
+                  <a:pt x="82550" y="107950"/>
+                </a:cubicBezTo>
+                <a:cubicBezTo>
+                  <a:pt x="78821" y="99249"/>
+                  <a:pt x="75101" y="125474"/>
+                  <a:pt x="69850" y="133350"/>
+                </a:cubicBezTo>
+                <a:cubicBezTo>
+                  <a:pt x="58479" y="150406"/>
+                  <a:pt x="58166" y="147256"/>
+                  <a:pt x="53975" y="161925"/>
+                </a:cubicBezTo>
+                <a:cubicBezTo>
+                  <a:pt x="52776" y="166121"/>
+                  <a:pt x="52054" y="170445"/>
+                  <a:pt x="50800" y="174625"/>
+                </a:cubicBezTo>
+                <a:cubicBezTo>
+                  <a:pt x="48877" y="181036"/>
+                  <a:pt x="42827" y="200169"/>
+                  <a:pt x="44450" y="193675"/>
+                </a:cubicBezTo>
+                <a:lnTo>
+                  <a:pt x="47625" y="180975"/>
+                </a:lnTo>
+                <a:cubicBezTo>
+                  <a:pt x="48683" y="156633"/>
+                  <a:pt x="52231" y="132273"/>
+                  <a:pt x="50800" y="107950"/>
+                </a:cubicBezTo>
+                <a:cubicBezTo>
+                  <a:pt x="50407" y="101268"/>
+                  <a:pt x="44450" y="127000"/>
+                  <a:pt x="44450" y="127000"/>
+                </a:cubicBezTo>
+                <a:cubicBezTo>
+                  <a:pt x="43392" y="134408"/>
+                  <a:pt x="42614" y="141862"/>
+                  <a:pt x="41275" y="149225"/>
+                </a:cubicBezTo>
+                <a:cubicBezTo>
+                  <a:pt x="40494" y="153518"/>
+                  <a:pt x="39354" y="157745"/>
+                  <a:pt x="38100" y="161925"/>
+                </a:cubicBezTo>
+                <a:cubicBezTo>
+                  <a:pt x="30127" y="188501"/>
+                  <a:pt x="30370" y="185598"/>
+                  <a:pt x="34925" y="165100"/>
+                </a:cubicBezTo>
+                <a:cubicBezTo>
+                  <a:pt x="39428" y="144837"/>
+                  <a:pt x="35953" y="159525"/>
+                  <a:pt x="44450" y="139700"/>
+                </a:cubicBezTo>
+                <a:cubicBezTo>
+                  <a:pt x="52337" y="121297"/>
+                  <a:pt x="41772" y="138955"/>
+                  <a:pt x="53975" y="120650"/>
+                </a:cubicBezTo>
+                <a:cubicBezTo>
+                  <a:pt x="55033" y="131233"/>
+                  <a:pt x="52960" y="142624"/>
+                  <a:pt x="57150" y="152400"/>
+                </a:cubicBezTo>
+                <a:cubicBezTo>
+                  <a:pt x="58653" y="155907"/>
+                  <a:pt x="61478" y="146111"/>
+                  <a:pt x="63500" y="142875"/>
+                </a:cubicBezTo>
+                <a:cubicBezTo>
+                  <a:pt x="66771" y="137642"/>
+                  <a:pt x="70471" y="132618"/>
+                  <a:pt x="73025" y="127000"/>
+                </a:cubicBezTo>
+                <a:cubicBezTo>
+                  <a:pt x="89761" y="90182"/>
+                  <a:pt x="68155" y="124674"/>
+                  <a:pt x="88900" y="92075"/>
+                </a:cubicBezTo>
+                <a:cubicBezTo>
+                  <a:pt x="92997" y="85636"/>
+                  <a:pt x="101600" y="73025"/>
+                  <a:pt x="101600" y="73025"/>
+                </a:cubicBezTo>
+                <a:cubicBezTo>
+                  <a:pt x="99483" y="69850"/>
+                  <a:pt x="98992" y="64248"/>
+                  <a:pt x="95250" y="63500"/>
+                </a:cubicBezTo>
+                <a:cubicBezTo>
+                  <a:pt x="89025" y="62255"/>
+                  <a:pt x="81367" y="76387"/>
+                  <a:pt x="79375" y="79375"/>
+                </a:cubicBezTo>
+                <a:cubicBezTo>
+                  <a:pt x="78317" y="83608"/>
+                  <a:pt x="80564" y="92075"/>
+                  <a:pt x="76200" y="92075"/>
+                </a:cubicBezTo>
+                <a:cubicBezTo>
+                  <a:pt x="71836" y="92075"/>
+                  <a:pt x="73025" y="83739"/>
+                  <a:pt x="73025" y="79375"/>
+                </a:cubicBezTo>
+                <a:cubicBezTo>
+                  <a:pt x="73025" y="74577"/>
+                  <a:pt x="82181" y="48733"/>
+                  <a:pt x="82550" y="47625"/>
+                </a:cubicBezTo>
+                <a:lnTo>
+                  <a:pt x="79375" y="57150"/>
+                </a:lnTo>
+                <a:cubicBezTo>
+                  <a:pt x="80415" y="60270"/>
+                  <a:pt x="84504" y="75321"/>
+                  <a:pt x="88900" y="76200"/>
+                </a:cubicBezTo>
+                <a:cubicBezTo>
+                  <a:pt x="92642" y="76948"/>
+                  <a:pt x="95250" y="71967"/>
+                  <a:pt x="98425" y="69850"/>
+                </a:cubicBezTo>
+                <a:cubicBezTo>
+                  <a:pt x="100542" y="64558"/>
+                  <a:pt x="102007" y="58957"/>
+                  <a:pt x="104775" y="53975"/>
+                </a:cubicBezTo>
+                <a:cubicBezTo>
+                  <a:pt x="120793" y="25142"/>
+                  <a:pt x="109790" y="54805"/>
+                  <a:pt x="117475" y="31750"/>
+                </a:cubicBezTo>
+                <a:cubicBezTo>
+                  <a:pt x="116417" y="24342"/>
+                  <a:pt x="115768" y="16863"/>
+                  <a:pt x="114300" y="9525"/>
+                </a:cubicBezTo>
+                <a:cubicBezTo>
+                  <a:pt x="113644" y="6243"/>
+                  <a:pt x="114472" y="0"/>
+                  <a:pt x="111125" y="0"/>
+                </a:cubicBezTo>
+                <a:cubicBezTo>
+                  <a:pt x="107778" y="0"/>
+                  <a:pt x="109447" y="6532"/>
+                  <a:pt x="107950" y="9525"/>
+                </a:cubicBezTo>
+                <a:cubicBezTo>
+                  <a:pt x="106243" y="12938"/>
+                  <a:pt x="103307" y="15637"/>
+                  <a:pt x="101600" y="19050"/>
+                </a:cubicBezTo>
+                <a:cubicBezTo>
+                  <a:pt x="100103" y="22043"/>
+                  <a:pt x="99743" y="25499"/>
+                  <a:pt x="98425" y="28575"/>
+                </a:cubicBezTo>
+                <a:cubicBezTo>
+                  <a:pt x="88463" y="51819"/>
+                  <a:pt x="94754" y="30560"/>
+                  <a:pt x="88900" y="53975"/>
+                </a:cubicBezTo>
+                <a:cubicBezTo>
+                  <a:pt x="89958" y="62442"/>
+                  <a:pt x="90672" y="70959"/>
+                  <a:pt x="92075" y="79375"/>
+                </a:cubicBezTo>
+                <a:cubicBezTo>
+                  <a:pt x="93404" y="87348"/>
+                  <a:pt x="95909" y="94051"/>
+                  <a:pt x="98425" y="101600"/>
+                </a:cubicBezTo>
+                <a:cubicBezTo>
+                  <a:pt x="97367" y="110067"/>
+                  <a:pt x="98166" y="118981"/>
+                  <a:pt x="95250" y="127000"/>
+                </a:cubicBezTo>
+                <a:cubicBezTo>
+                  <a:pt x="93294" y="132378"/>
+                  <a:pt x="80735" y="139851"/>
+                  <a:pt x="76200" y="142875"/>
+                </a:cubicBezTo>
+                <a:cubicBezTo>
+                  <a:pt x="61009" y="165661"/>
+                  <a:pt x="68896" y="156529"/>
+                  <a:pt x="53975" y="171450"/>
+                </a:cubicBezTo>
+                <a:cubicBezTo>
+                  <a:pt x="52917" y="174625"/>
+                  <a:pt x="52425" y="178049"/>
+                  <a:pt x="50800" y="180975"/>
+                </a:cubicBezTo>
+                <a:cubicBezTo>
+                  <a:pt x="47094" y="187646"/>
+                  <a:pt x="38100" y="200025"/>
+                  <a:pt x="38100" y="200025"/>
+                </a:cubicBezTo>
+                <a:cubicBezTo>
+                  <a:pt x="37042" y="206375"/>
+                  <a:pt x="36322" y="212791"/>
+                  <a:pt x="34925" y="219075"/>
+                </a:cubicBezTo>
+                <a:cubicBezTo>
+                  <a:pt x="34199" y="222342"/>
+                  <a:pt x="31750" y="225253"/>
+                  <a:pt x="31750" y="228600"/>
+                </a:cubicBezTo>
+                <a:cubicBezTo>
+                  <a:pt x="31750" y="249793"/>
+                  <a:pt x="33867" y="270933"/>
+                  <a:pt x="34925" y="292100"/>
+                </a:cubicBezTo>
+                <a:cubicBezTo>
+                  <a:pt x="37034" y="285774"/>
+                  <a:pt x="40478" y="276254"/>
+                  <a:pt x="41275" y="269875"/>
+                </a:cubicBezTo>
+                <a:cubicBezTo>
+                  <a:pt x="42856" y="257229"/>
+                  <a:pt x="42355" y="244346"/>
+                  <a:pt x="44450" y="231775"/>
+                </a:cubicBezTo>
+                <a:cubicBezTo>
+                  <a:pt x="45550" y="225173"/>
+                  <a:pt x="49177" y="219219"/>
+                  <a:pt x="50800" y="212725"/>
+                </a:cubicBezTo>
+                <a:lnTo>
+                  <a:pt x="57150" y="187325"/>
+                </a:lnTo>
+                <a:cubicBezTo>
+                  <a:pt x="58208" y="183092"/>
+                  <a:pt x="60325" y="178989"/>
+                  <a:pt x="60325" y="174625"/>
+                </a:cubicBezTo>
+                <a:lnTo>
+                  <a:pt x="60325" y="161925"/>
+                </a:lnTo>
+              </a:path>
+            </a:pathLst>
+          </a:custGeom>
+          <a:noFill/>
+          <a:ln>
+            <a:solidFill>
+              <a:srgbClr val="CCD2F0"/>
+            </a:solidFill>
+          </a:ln>
+        </p:spPr>
+        <p:style>
+          <a:lnRef idx="2">
+            <a:schemeClr val="accent1">
+              <a:shade val="50000"/>
+            </a:schemeClr>
+          </a:lnRef>
+          <a:fillRef idx="1">
+            <a:schemeClr val="accent1"/>
+          </a:fillRef>
+          <a:effectRef idx="0">
+            <a:schemeClr val="accent1"/>
+          </a:effectRef>
+          <a:fontRef idx="minor">
+            <a:schemeClr val="lt1"/>
+          </a:fontRef>
+        </p:style>
+        <p:txBody>
+          <a:bodyPr rtlCol="0" anchor="ctr"/>
+          <a:lstStyle/>
+          <a:p>
+            <a:pPr algn="ctr"/>
+            <a:endParaRPr lang="ko-KR" altLang="en-US"/>
+          </a:p>
+        </p:txBody>
+      </p:sp>
     </p:spTree>
   </p:cSld>
   <p:clrMapOvr>
